--- a/Ass1-Regression紀錄.pptx
+++ b/Ass1-Regression紀錄.pptx
@@ -11,6 +11,7 @@
     <p:sldId id="260" r:id="rId5"/>
     <p:sldId id="258" r:id="rId6"/>
     <p:sldId id="261" r:id="rId7"/>
+    <p:sldId id="262" r:id="rId8"/>
   </p:sldIdLst>
   <p:sldSz cx="12192000" cy="6858000"/>
   <p:notesSz cx="6858000" cy="9144000"/>
@@ -117,6 +118,14 @@
 </p:presentation>
 </file>
 
+<file path=ppt/revisionInfo.xml><?xml version="1.0" encoding="utf-8"?>
+<p1510:revInfo xmlns:a="http://schemas.openxmlformats.org/drawingml/2006/main" xmlns:r="http://schemas.openxmlformats.org/officeDocument/2006/relationships" xmlns:p1510="http://schemas.microsoft.com/office/powerpoint/2015/10/main">
+  <p1510:revLst>
+    <p1510:client id="{59D5EB52-3A72-B534-F5FC-238F07F4BC59}" v="28" dt="2025-10-03T14:35:09.362"/>
+  </p1510:revLst>
+</p1510:revInfo>
+</file>
+
 <file path=ppt/slideLayouts/slideLayout1.xml><?xml version="1.0" encoding="utf-8"?>
 <p:sldLayout xmlns:a="http://schemas.openxmlformats.org/drawingml/2006/main" xmlns:r="http://schemas.openxmlformats.org/officeDocument/2006/relationships" xmlns:p="http://schemas.openxmlformats.org/presentationml/2006/main" type="title" preserve="1">
   <p:cSld name="標題投影片">
@@ -264,7 +273,7 @@
           <a:p>
             <a:fld id="{E4548890-1A3C-2D41-9BC6-172E7EF06196}" type="datetimeFigureOut">
               <a:rPr kumimoji="1" lang="zh-TW" altLang="en-US" smtClean="0"/>
-              <a:t>2025/9/30</a:t>
+              <a:t>2025/10/3</a:t>
             </a:fld>
             <a:endParaRPr kumimoji="1" lang="zh-TW" altLang="en-US"/>
           </a:p>
@@ -462,7 +471,7 @@
           <a:p>
             <a:fld id="{E4548890-1A3C-2D41-9BC6-172E7EF06196}" type="datetimeFigureOut">
               <a:rPr kumimoji="1" lang="zh-TW" altLang="en-US" smtClean="0"/>
-              <a:t>2025/9/30</a:t>
+              <a:t>2025/10/3</a:t>
             </a:fld>
             <a:endParaRPr kumimoji="1" lang="zh-TW" altLang="en-US"/>
           </a:p>
@@ -670,7 +679,7 @@
           <a:p>
             <a:fld id="{E4548890-1A3C-2D41-9BC6-172E7EF06196}" type="datetimeFigureOut">
               <a:rPr kumimoji="1" lang="zh-TW" altLang="en-US" smtClean="0"/>
-              <a:t>2025/9/30</a:t>
+              <a:t>2025/10/3</a:t>
             </a:fld>
             <a:endParaRPr kumimoji="1" lang="zh-TW" altLang="en-US"/>
           </a:p>
@@ -868,7 +877,7 @@
           <a:p>
             <a:fld id="{E4548890-1A3C-2D41-9BC6-172E7EF06196}" type="datetimeFigureOut">
               <a:rPr kumimoji="1" lang="zh-TW" altLang="en-US" smtClean="0"/>
-              <a:t>2025/9/30</a:t>
+              <a:t>2025/10/3</a:t>
             </a:fld>
             <a:endParaRPr kumimoji="1" lang="zh-TW" altLang="en-US"/>
           </a:p>
@@ -1143,7 +1152,7 @@
           <a:p>
             <a:fld id="{E4548890-1A3C-2D41-9BC6-172E7EF06196}" type="datetimeFigureOut">
               <a:rPr kumimoji="1" lang="zh-TW" altLang="en-US" smtClean="0"/>
-              <a:t>2025/9/30</a:t>
+              <a:t>2025/10/3</a:t>
             </a:fld>
             <a:endParaRPr kumimoji="1" lang="zh-TW" altLang="en-US"/>
           </a:p>
@@ -1408,7 +1417,7 @@
           <a:p>
             <a:fld id="{E4548890-1A3C-2D41-9BC6-172E7EF06196}" type="datetimeFigureOut">
               <a:rPr kumimoji="1" lang="zh-TW" altLang="en-US" smtClean="0"/>
-              <a:t>2025/9/30</a:t>
+              <a:t>2025/10/3</a:t>
             </a:fld>
             <a:endParaRPr kumimoji="1" lang="zh-TW" altLang="en-US"/>
           </a:p>
@@ -1820,7 +1829,7 @@
           <a:p>
             <a:fld id="{E4548890-1A3C-2D41-9BC6-172E7EF06196}" type="datetimeFigureOut">
               <a:rPr kumimoji="1" lang="zh-TW" altLang="en-US" smtClean="0"/>
-              <a:t>2025/9/30</a:t>
+              <a:t>2025/10/3</a:t>
             </a:fld>
             <a:endParaRPr kumimoji="1" lang="zh-TW" altLang="en-US"/>
           </a:p>
@@ -1961,7 +1970,7 @@
           <a:p>
             <a:fld id="{E4548890-1A3C-2D41-9BC6-172E7EF06196}" type="datetimeFigureOut">
               <a:rPr kumimoji="1" lang="zh-TW" altLang="en-US" smtClean="0"/>
-              <a:t>2025/9/30</a:t>
+              <a:t>2025/10/3</a:t>
             </a:fld>
             <a:endParaRPr kumimoji="1" lang="zh-TW" altLang="en-US"/>
           </a:p>
@@ -2074,7 +2083,7 @@
           <a:p>
             <a:fld id="{E4548890-1A3C-2D41-9BC6-172E7EF06196}" type="datetimeFigureOut">
               <a:rPr kumimoji="1" lang="zh-TW" altLang="en-US" smtClean="0"/>
-              <a:t>2025/9/30</a:t>
+              <a:t>2025/10/3</a:t>
             </a:fld>
             <a:endParaRPr kumimoji="1" lang="zh-TW" altLang="en-US"/>
           </a:p>
@@ -2385,7 +2394,7 @@
           <a:p>
             <a:fld id="{E4548890-1A3C-2D41-9BC6-172E7EF06196}" type="datetimeFigureOut">
               <a:rPr kumimoji="1" lang="zh-TW" altLang="en-US" smtClean="0"/>
-              <a:t>2025/9/30</a:t>
+              <a:t>2025/10/3</a:t>
             </a:fld>
             <a:endParaRPr kumimoji="1" lang="zh-TW" altLang="en-US"/>
           </a:p>
@@ -2673,7 +2682,7 @@
           <a:p>
             <a:fld id="{E4548890-1A3C-2D41-9BC6-172E7EF06196}" type="datetimeFigureOut">
               <a:rPr kumimoji="1" lang="zh-TW" altLang="en-US" smtClean="0"/>
-              <a:t>2025/9/30</a:t>
+              <a:t>2025/10/3</a:t>
             </a:fld>
             <a:endParaRPr kumimoji="1" lang="zh-TW" altLang="en-US"/>
           </a:p>
@@ -2914,7 +2923,7 @@
           <a:p>
             <a:fld id="{E4548890-1A3C-2D41-9BC6-172E7EF06196}" type="datetimeFigureOut">
               <a:rPr kumimoji="1" lang="zh-TW" altLang="en-US" smtClean="0"/>
-              <a:t>2025/9/30</a:t>
+              <a:t>2025/10/3</a:t>
             </a:fld>
             <a:endParaRPr kumimoji="1" lang="zh-TW" altLang="en-US"/>
           </a:p>
@@ -5131,7 +5140,7 @@
           <a:lstStyle/>
           <a:p>
             <a:r>
-              <a:rPr lang="en-US" altLang="zh-TW" dirty="0">
+              <a:rPr lang="en-US" altLang="zh-TW">
                 <a:ea typeface="+mn-lt"/>
                 <a:cs typeface="+mn-lt"/>
               </a:rPr>
@@ -5140,56 +5149,56 @@
           </a:p>
           <a:p>
             <a:r>
-              <a:rPr lang="en-US" altLang="zh-TW" dirty="0">
+              <a:rPr lang="en-US" altLang="zh-TW">
                 <a:ea typeface="+mn-lt"/>
                 <a:cs typeface="+mn-lt"/>
               </a:rPr>
               <a:t>-</a:t>
             </a:r>
             <a:r>
-              <a:rPr lang="zh-TW" altLang="en-US" dirty="0">
+              <a:rPr lang="zh-TW" altLang="en-US">
                 <a:ea typeface="+mn-lt"/>
                 <a:cs typeface="+mn-lt"/>
               </a:rPr>
               <a:t> </a:t>
             </a:r>
             <a:r>
-              <a:rPr lang="en-US" altLang="zh-TW" dirty="0" err="1">
+              <a:rPr lang="en-US" altLang="zh-TW" err="1">
                 <a:ea typeface="+mn-lt"/>
                 <a:cs typeface="+mn-lt"/>
               </a:rPr>
               <a:t>mae</a:t>
             </a:r>
             <a:r>
-              <a:rPr lang="en-US" altLang="zh-TW" dirty="0">
+              <a:rPr lang="en-US" altLang="zh-TW">
                 <a:ea typeface="+mn-lt"/>
                 <a:cs typeface="+mn-lt"/>
               </a:rPr>
               <a:t>:</a:t>
             </a:r>
             <a:r>
-              <a:rPr lang="zh-TW" altLang="en-US" dirty="0">
+              <a:rPr lang="zh-TW" altLang="en-US">
                 <a:ea typeface="+mn-lt"/>
                 <a:cs typeface="+mn-lt"/>
               </a:rPr>
               <a:t> </a:t>
             </a:r>
             <a:r>
-              <a:rPr lang="en-US" altLang="zh-TW" dirty="0">
+              <a:rPr lang="en-US" altLang="zh-TW">
                 <a:ea typeface="+mn-lt"/>
                 <a:cs typeface="+mn-lt"/>
               </a:rPr>
               <a:t>2657732.7500 -</a:t>
             </a:r>
             <a:r>
-              <a:rPr lang="zh-TW" altLang="en-US" dirty="0">
+              <a:rPr lang="zh-TW" altLang="en-US">
                 <a:ea typeface="+mn-lt"/>
                 <a:cs typeface="+mn-lt"/>
               </a:rPr>
               <a:t> </a:t>
             </a:r>
             <a:r>
-              <a:rPr lang="en-US" altLang="zh-TW" dirty="0">
+              <a:rPr lang="en-US" altLang="zh-TW">
                 <a:ea typeface="+mn-lt"/>
                 <a:cs typeface="+mn-lt"/>
               </a:rPr>
@@ -5203,28 +5212,28 @@
               <a:t>al_</a:t>
             </a:r>
             <a:r>
-              <a:rPr lang="en-US" altLang="zh-TW" dirty="0" err="1">
+              <a:rPr lang="en-US" altLang="zh-TW" err="1">
                 <a:ea typeface="+mn-lt"/>
                 <a:cs typeface="+mn-lt"/>
               </a:rPr>
               <a:t>mae</a:t>
             </a:r>
             <a:r>
-              <a:rPr lang="en-US" altLang="zh-TW" dirty="0">
+              <a:rPr lang="en-US" altLang="zh-TW">
                 <a:ea typeface="+mn-lt"/>
                 <a:cs typeface="+mn-lt"/>
               </a:rPr>
               <a:t>:</a:t>
             </a:r>
             <a:r>
-              <a:rPr lang="zh-TW" altLang="en-US" dirty="0">
+              <a:rPr lang="zh-TW" altLang="en-US">
                 <a:ea typeface="+mn-lt"/>
                 <a:cs typeface="+mn-lt"/>
               </a:rPr>
               <a:t> </a:t>
             </a:r>
             <a:r>
-              <a:rPr lang="en-US" altLang="zh-TW" dirty="0">
+              <a:rPr lang="en-US" altLang="zh-TW">
                 <a:ea typeface="+mn-lt"/>
                 <a:cs typeface="+mn-lt"/>
               </a:rPr>
@@ -5268,7 +5277,7 @@
           <a:lstStyle/>
           <a:p>
             <a:r>
-              <a:rPr lang="en-US" altLang="zh-TW" dirty="0">
+              <a:rPr lang="en-US" altLang="zh-TW">
                 <a:ea typeface="新細明體"/>
               </a:rPr>
               <a:t>V2 model 16epoch early stop</a:t>
@@ -5276,31 +5285,31 @@
           </a:p>
           <a:p>
             <a:r>
-              <a:rPr lang="en-US" altLang="zh-TW" dirty="0">
+              <a:rPr lang="en-US" altLang="zh-TW">
                 <a:ea typeface="新細明體"/>
               </a:rPr>
               <a:t>- </a:t>
             </a:r>
             <a:r>
-              <a:rPr lang="en-US" altLang="zh-TW" dirty="0" err="1">
+              <a:rPr lang="en-US" altLang="zh-TW" err="1">
                 <a:ea typeface="新細明體"/>
               </a:rPr>
               <a:t>mae</a:t>
             </a:r>
             <a:r>
-              <a:rPr lang="en-US" altLang="zh-TW" dirty="0">
+              <a:rPr lang="en-US" altLang="zh-TW">
                 <a:ea typeface="新細明體"/>
               </a:rPr>
               <a:t>: 2697483.2500  - </a:t>
             </a:r>
             <a:r>
-              <a:rPr lang="en-US" altLang="zh-TW" dirty="0" err="1">
+              <a:rPr lang="en-US" altLang="zh-TW" err="1">
                 <a:ea typeface="新細明體"/>
               </a:rPr>
               <a:t>val_mae</a:t>
             </a:r>
             <a:r>
-              <a:rPr lang="en-US" altLang="zh-TW" dirty="0">
+              <a:rPr lang="en-US" altLang="zh-TW">
                 <a:ea typeface="新細明體"/>
               </a:rPr>
               <a:t>: 1935191.0000</a:t>
@@ -5373,6 +5382,168 @@
     <p:extLst>
       <p:ext uri="{BB962C8B-B14F-4D97-AF65-F5344CB8AC3E}">
         <p14:creationId xmlns:p14="http://schemas.microsoft.com/office/powerpoint/2010/main" val="1587725897"/>
+      </p:ext>
+    </p:extLst>
+  </p:cSld>
+  <p:clrMapOvr>
+    <a:masterClrMapping/>
+  </p:clrMapOvr>
+</p:sld>
+</file>
+
+<file path=ppt/slides/slide7.xml><?xml version="1.0" encoding="utf-8"?>
+<p:sld xmlns:a="http://schemas.openxmlformats.org/drawingml/2006/main" xmlns:r="http://schemas.openxmlformats.org/officeDocument/2006/relationships" xmlns:p="http://schemas.openxmlformats.org/presentationml/2006/main">
+  <p:cSld>
+    <p:spTree>
+      <p:nvGrpSpPr>
+        <p:cNvPr id="1" name="">
+          <a:extLst>
+            <a:ext uri="{FF2B5EF4-FFF2-40B4-BE49-F238E27FC236}">
+              <a16:creationId xmlns:a16="http://schemas.microsoft.com/office/drawing/2014/main" id="{16717B6E-9F21-397C-C933-E75AB70EDCB5}"/>
+            </a:ext>
+          </a:extLst>
+        </p:cNvPr>
+        <p:cNvGrpSpPr/>
+        <p:nvPr/>
+      </p:nvGrpSpPr>
+      <p:grpSpPr>
+        <a:xfrm>
+          <a:off x="0" y="0"/>
+          <a:ext cx="0" cy="0"/>
+          <a:chOff x="0" y="0"/>
+          <a:chExt cx="0" cy="0"/>
+        </a:xfrm>
+      </p:grpSpPr>
+      <p:sp>
+        <p:nvSpPr>
+          <p:cNvPr id="2" name="標題 1">
+            <a:extLst>
+              <a:ext uri="{FF2B5EF4-FFF2-40B4-BE49-F238E27FC236}">
+                <a16:creationId xmlns:a16="http://schemas.microsoft.com/office/drawing/2014/main" id="{D8CAE3A9-345D-F0E7-9947-6D1906C32C5C}"/>
+              </a:ext>
+            </a:extLst>
+          </p:cNvPr>
+          <p:cNvSpPr>
+            <a:spLocks noGrp="1"/>
+          </p:cNvSpPr>
+          <p:nvPr>
+            <p:ph type="title"/>
+          </p:nvPr>
+        </p:nvSpPr>
+        <p:spPr>
+          <a:xfrm>
+            <a:off x="1859" y="-220314"/>
+            <a:ext cx="10515600" cy="1325563"/>
+          </a:xfrm>
+        </p:spPr>
+        <p:txBody>
+          <a:bodyPr/>
+          <a:lstStyle/>
+          <a:p>
+            <a:r>
+              <a:rPr kumimoji="1" lang="zh-TW" altLang="en-US">
+                <a:ea typeface="新細明體"/>
+              </a:rPr>
+              <a:t>深度學習模型 - 加回月份</a:t>
+            </a:r>
+            <a:endParaRPr kumimoji="1" lang="zh-TW" altLang="en-US"/>
+          </a:p>
+        </p:txBody>
+      </p:sp>
+      <p:pic>
+        <p:nvPicPr>
+          <p:cNvPr id="4" name="圖片 3" descr="一張含有 文字, 螢幕擷取畫面, 軟體, 字型 的圖片&#10;&#10;AI 產生的內容可能不正確。">
+            <a:extLst>
+              <a:ext uri="{FF2B5EF4-FFF2-40B4-BE49-F238E27FC236}">
+                <a16:creationId xmlns:a16="http://schemas.microsoft.com/office/drawing/2014/main" id="{F1A8D734-28F6-7751-6288-D6F145741164}"/>
+              </a:ext>
+            </a:extLst>
+          </p:cNvPr>
+          <p:cNvPicPr>
+            <a:picLocks noChangeAspect="1"/>
+          </p:cNvPicPr>
+          <p:nvPr/>
+        </p:nvPicPr>
+        <p:blipFill>
+          <a:blip r:embed="rId2"/>
+          <a:stretch>
+            <a:fillRect/>
+          </a:stretch>
+        </p:blipFill>
+        <p:spPr>
+          <a:xfrm>
+            <a:off x="2864701" y="1112683"/>
+            <a:ext cx="5886450" cy="2867025"/>
+          </a:xfrm>
+          <a:prstGeom prst="rect">
+            <a:avLst/>
+          </a:prstGeom>
+        </p:spPr>
+      </p:pic>
+      <p:pic>
+        <p:nvPicPr>
+          <p:cNvPr id="11" name="圖片 10" descr="一張含有 螢幕擷取畫面, 文字 的圖片&#10;&#10;AI 產生的內容可能不正確。">
+            <a:extLst>
+              <a:ext uri="{FF2B5EF4-FFF2-40B4-BE49-F238E27FC236}">
+                <a16:creationId xmlns:a16="http://schemas.microsoft.com/office/drawing/2014/main" id="{4F9C7991-5918-19AA-AF65-64ECFEF859AF}"/>
+              </a:ext>
+            </a:extLst>
+          </p:cNvPr>
+          <p:cNvPicPr>
+            <a:picLocks noChangeAspect="1"/>
+          </p:cNvPicPr>
+          <p:nvPr/>
+        </p:nvPicPr>
+        <p:blipFill>
+          <a:blip r:embed="rId3"/>
+          <a:stretch>
+            <a:fillRect/>
+          </a:stretch>
+        </p:blipFill>
+        <p:spPr>
+          <a:xfrm>
+            <a:off x="595313" y="4050565"/>
+            <a:ext cx="11001375" cy="1228725"/>
+          </a:xfrm>
+          <a:prstGeom prst="rect">
+            <a:avLst/>
+          </a:prstGeom>
+        </p:spPr>
+      </p:pic>
+      <p:pic>
+        <p:nvPicPr>
+          <p:cNvPr id="12" name="圖片 11" descr="一張含有 文字, 螢幕擷取畫面, 軟體, 多媒體軟體 的圖片&#10;&#10;AI 產生的內容可能不正確。">
+            <a:extLst>
+              <a:ext uri="{FF2B5EF4-FFF2-40B4-BE49-F238E27FC236}">
+                <a16:creationId xmlns:a16="http://schemas.microsoft.com/office/drawing/2014/main" id="{97F8DBB9-9F4F-9E76-5EB0-2FFDB1AA2D87}"/>
+              </a:ext>
+            </a:extLst>
+          </p:cNvPr>
+          <p:cNvPicPr>
+            <a:picLocks noChangeAspect="1"/>
+          </p:cNvPicPr>
+          <p:nvPr/>
+        </p:nvPicPr>
+        <p:blipFill>
+          <a:blip r:embed="rId4"/>
+          <a:stretch>
+            <a:fillRect/>
+          </a:stretch>
+        </p:blipFill>
+        <p:spPr>
+          <a:xfrm>
+            <a:off x="1126273" y="5426228"/>
+            <a:ext cx="10236820" cy="1432468"/>
+          </a:xfrm>
+          <a:prstGeom prst="rect">
+            <a:avLst/>
+          </a:prstGeom>
+        </p:spPr>
+      </p:pic>
+    </p:spTree>
+    <p:extLst>
+      <p:ext uri="{BB962C8B-B14F-4D97-AF65-F5344CB8AC3E}">
+        <p14:creationId xmlns:p14="http://schemas.microsoft.com/office/powerpoint/2010/main" val="3346572515"/>
       </p:ext>
     </p:extLst>
   </p:cSld>
